--- a/Kharitonov_Dubovcev/OPP_Lab1_Concept_project.pptx
+++ b/Kharitonov_Dubovcev/OPP_Lab1_Concept_project.pptx
@@ -7886,8 +7886,16 @@
               <a:buNone/>
             </a:pPr>
             <a:r>
+              <a:rPr lang="en-US" sz="2800" dirty="0"/>
+              <a:t>M</a:t>
+            </a:r>
+            <a:r>
+              <a:rPr lang="ru-RU" sz="2800" dirty="0" err="1"/>
+              <a:t>енеджерам</a:t>
+            </a:r>
+            <a:r>
               <a:rPr lang="ru-RU" sz="2800" dirty="0"/>
-              <a:t>Проблема, которую попытается решить наше приложение, заключается в том, что менеджерам необходимо отслеживать развитие каждого члена своей команды, когда численность такой команды превышает одного человека, это становится затруднительно. </a:t>
+              <a:t> необходимо отслеживать развитие каждого члена своей команды, когда численность такой команды превышает одного человека, это становится затруднительно. </a:t>
             </a:r>
           </a:p>
           <a:p>
@@ -7896,7 +7904,7 @@
             </a:pPr>
             <a:r>
               <a:rPr lang="ru-RU" sz="2800" dirty="0"/>
-              <a:t>Так же работникам нужно показывать своим менеджерам, что они не сидят без дела, а продолжают развиваться и двигать компанию вперед. </a:t>
+              <a:t>Работникам помогает отслеживать свои цели и вовремя их выполнять. </a:t>
             </a:r>
           </a:p>
         </p:txBody>
@@ -8310,23 +8318,19 @@
           <a:p>
             <a:pPr lvl="1"/>
             <a:r>
-              <a:rPr lang="en-US" sz="2800" dirty="0"/>
-              <a:t>Middle software developer </a:t>
-            </a:r>
-            <a:r>
               <a:rPr lang="ru-RU" sz="2800" dirty="0"/>
-              <a:t>с опытом самостоятельной разработки проекта с нуля</a:t>
+              <a:t>Харитонов Егор Викторович</a:t>
             </a:r>
           </a:p>
           <a:p>
             <a:pPr lvl="1"/>
             <a:r>
-              <a:rPr lang="en-US" sz="2800" dirty="0"/>
-              <a:t>Junior software developer </a:t>
+              <a:rPr lang="ru-RU" sz="2800" dirty="0" err="1"/>
+              <a:t>Дубовцев</a:t>
             </a:r>
             <a:r>
               <a:rPr lang="ru-RU" sz="2800" dirty="0"/>
-              <a:t>без опыта работы</a:t>
+              <a:t> Илья Константинович</a:t>
             </a:r>
           </a:p>
         </p:txBody>
